--- a/ppt 16-9/1375.八福.pptx
+++ b/ppt 16-9/1375.八福.pptx
@@ -129,7 +129,7 @@
           <p:cNvPr id="2" name="标题 1">
             <a:extLst>
               <a:ext uri="{FF2B5EF4-FFF2-40B4-BE49-F238E27FC236}">
-                <a16:creationId xmlns:a16="http://schemas.microsoft.com/office/drawing/2014/main" id="{1A703D50-3434-D025-1848-15DA89737C7D}"/>
+                <a16:creationId xmlns:a16="http://schemas.microsoft.com/office/drawing/2014/main" id="{41AFA841-2B09-13A6-2E91-5AC002AB07B1}"/>
               </a:ext>
             </a:extLst>
           </p:cNvPr>
@@ -166,7 +166,7 @@
           <p:cNvPr id="3" name="副标题 2">
             <a:extLst>
               <a:ext uri="{FF2B5EF4-FFF2-40B4-BE49-F238E27FC236}">
-                <a16:creationId xmlns:a16="http://schemas.microsoft.com/office/drawing/2014/main" id="{2AB08A1A-3FC1-4B14-F1B8-DE37C03BB08B}"/>
+                <a16:creationId xmlns:a16="http://schemas.microsoft.com/office/drawing/2014/main" id="{C396E67D-5EC3-38C3-0688-4CB570036923}"/>
               </a:ext>
             </a:extLst>
           </p:cNvPr>
@@ -236,7 +236,7 @@
           <p:cNvPr id="4" name="日期占位符 3">
             <a:extLst>
               <a:ext uri="{FF2B5EF4-FFF2-40B4-BE49-F238E27FC236}">
-                <a16:creationId xmlns:a16="http://schemas.microsoft.com/office/drawing/2014/main" id="{A47823F3-EA3E-589F-6250-58182A3396BA}"/>
+                <a16:creationId xmlns:a16="http://schemas.microsoft.com/office/drawing/2014/main" id="{6A92BE6D-EAD0-A4C0-3705-ADB1237BEB06}"/>
               </a:ext>
             </a:extLst>
           </p:cNvPr>
@@ -252,7 +252,7 @@
           <a:bodyPr/>
           <a:lstStyle/>
           <a:p>
-            <a:fld id="{0235B761-C1FB-4A42-8968-94F1C6EE055C}" type="datetimeFigureOut">
+            <a:fld id="{4EAD9783-17AF-4CCA-944E-9074335C4262}" type="datetimeFigureOut">
               <a:rPr lang="zh-CN" altLang="en-US" smtClean="0"/>
               <a:t>2024/3/10</a:t>
             </a:fld>
@@ -265,7 +265,7 @@
           <p:cNvPr id="5" name="页脚占位符 4">
             <a:extLst>
               <a:ext uri="{FF2B5EF4-FFF2-40B4-BE49-F238E27FC236}">
-                <a16:creationId xmlns:a16="http://schemas.microsoft.com/office/drawing/2014/main" id="{35C52D50-0831-1AF7-12CA-22CCD029D814}"/>
+                <a16:creationId xmlns:a16="http://schemas.microsoft.com/office/drawing/2014/main" id="{36D77D2F-1987-4B16-BB3D-02ED74623465}"/>
               </a:ext>
             </a:extLst>
           </p:cNvPr>
@@ -290,7 +290,7 @@
           <p:cNvPr id="6" name="灯片编号占位符 5">
             <a:extLst>
               <a:ext uri="{FF2B5EF4-FFF2-40B4-BE49-F238E27FC236}">
-                <a16:creationId xmlns:a16="http://schemas.microsoft.com/office/drawing/2014/main" id="{C6606E76-00EC-70F7-ED37-E7BD1190FAEC}"/>
+                <a16:creationId xmlns:a16="http://schemas.microsoft.com/office/drawing/2014/main" id="{F5D38A1C-B6B3-579D-5968-DF665EF3E61B}"/>
               </a:ext>
             </a:extLst>
           </p:cNvPr>
@@ -306,7 +306,7 @@
           <a:bodyPr/>
           <a:lstStyle/>
           <a:p>
-            <a:fld id="{68D0C62E-F5CA-431C-8C77-0F1BB1AF2812}" type="slidenum">
+            <a:fld id="{EBDAB534-8C09-4041-AC9D-C9B9BFC23082}" type="slidenum">
               <a:rPr lang="zh-CN" altLang="en-US" smtClean="0"/>
               <a:t>‹#›</a:t>
             </a:fld>
@@ -317,7 +317,7 @@
     </p:spTree>
     <p:extLst>
       <p:ext uri="{BB962C8B-B14F-4D97-AF65-F5344CB8AC3E}">
-        <p14:creationId xmlns:p14="http://schemas.microsoft.com/office/powerpoint/2010/main" val="212457915"/>
+        <p14:creationId xmlns:p14="http://schemas.microsoft.com/office/powerpoint/2010/main" val="3560459075"/>
       </p:ext>
     </p:extLst>
   </p:cSld>
@@ -349,7 +349,7 @@
           <p:cNvPr id="2" name="标题 1">
             <a:extLst>
               <a:ext uri="{FF2B5EF4-FFF2-40B4-BE49-F238E27FC236}">
-                <a16:creationId xmlns:a16="http://schemas.microsoft.com/office/drawing/2014/main" id="{E24C709A-ADD6-9F69-08AD-DA8041E1A3BB}"/>
+                <a16:creationId xmlns:a16="http://schemas.microsoft.com/office/drawing/2014/main" id="{8D3B3C5F-78C9-C275-62A2-1017FB134E3A}"/>
               </a:ext>
             </a:extLst>
           </p:cNvPr>
@@ -377,7 +377,7 @@
           <p:cNvPr id="3" name="竖排文字占位符 2">
             <a:extLst>
               <a:ext uri="{FF2B5EF4-FFF2-40B4-BE49-F238E27FC236}">
-                <a16:creationId xmlns:a16="http://schemas.microsoft.com/office/drawing/2014/main" id="{41CD5860-5B82-99D4-424D-F576E65660E1}"/>
+                <a16:creationId xmlns:a16="http://schemas.microsoft.com/office/drawing/2014/main" id="{C3B365B8-7E8A-F817-8378-E0813CDBC944}"/>
               </a:ext>
             </a:extLst>
           </p:cNvPr>
@@ -434,7 +434,7 @@
           <p:cNvPr id="4" name="日期占位符 3">
             <a:extLst>
               <a:ext uri="{FF2B5EF4-FFF2-40B4-BE49-F238E27FC236}">
-                <a16:creationId xmlns:a16="http://schemas.microsoft.com/office/drawing/2014/main" id="{74656AE8-11B7-DAF9-B959-939E4959BCE3}"/>
+                <a16:creationId xmlns:a16="http://schemas.microsoft.com/office/drawing/2014/main" id="{2AE262A8-E83B-B058-5F8B-E45DECA97ED0}"/>
               </a:ext>
             </a:extLst>
           </p:cNvPr>
@@ -450,7 +450,7 @@
           <a:bodyPr/>
           <a:lstStyle/>
           <a:p>
-            <a:fld id="{0235B761-C1FB-4A42-8968-94F1C6EE055C}" type="datetimeFigureOut">
+            <a:fld id="{4EAD9783-17AF-4CCA-944E-9074335C4262}" type="datetimeFigureOut">
               <a:rPr lang="zh-CN" altLang="en-US" smtClean="0"/>
               <a:t>2024/3/10</a:t>
             </a:fld>
@@ -463,7 +463,7 @@
           <p:cNvPr id="5" name="页脚占位符 4">
             <a:extLst>
               <a:ext uri="{FF2B5EF4-FFF2-40B4-BE49-F238E27FC236}">
-                <a16:creationId xmlns:a16="http://schemas.microsoft.com/office/drawing/2014/main" id="{B793D988-6DD9-2519-4EEF-1FC807EFFBB7}"/>
+                <a16:creationId xmlns:a16="http://schemas.microsoft.com/office/drawing/2014/main" id="{10FA63F4-28DD-A43B-BF7C-88ED98FF869B}"/>
               </a:ext>
             </a:extLst>
           </p:cNvPr>
@@ -488,7 +488,7 @@
           <p:cNvPr id="6" name="灯片编号占位符 5">
             <a:extLst>
               <a:ext uri="{FF2B5EF4-FFF2-40B4-BE49-F238E27FC236}">
-                <a16:creationId xmlns:a16="http://schemas.microsoft.com/office/drawing/2014/main" id="{19B92DE9-5A79-62AA-967B-FFE25D833F1B}"/>
+                <a16:creationId xmlns:a16="http://schemas.microsoft.com/office/drawing/2014/main" id="{DCB3E800-8336-4BC3-A464-8A6F2253CBA2}"/>
               </a:ext>
             </a:extLst>
           </p:cNvPr>
@@ -504,7 +504,7 @@
           <a:bodyPr/>
           <a:lstStyle/>
           <a:p>
-            <a:fld id="{68D0C62E-F5CA-431C-8C77-0F1BB1AF2812}" type="slidenum">
+            <a:fld id="{EBDAB534-8C09-4041-AC9D-C9B9BFC23082}" type="slidenum">
               <a:rPr lang="zh-CN" altLang="en-US" smtClean="0"/>
               <a:t>‹#›</a:t>
             </a:fld>
@@ -515,7 +515,7 @@
     </p:spTree>
     <p:extLst>
       <p:ext uri="{BB962C8B-B14F-4D97-AF65-F5344CB8AC3E}">
-        <p14:creationId xmlns:p14="http://schemas.microsoft.com/office/powerpoint/2010/main" val="1564624732"/>
+        <p14:creationId xmlns:p14="http://schemas.microsoft.com/office/powerpoint/2010/main" val="1356214401"/>
       </p:ext>
     </p:extLst>
   </p:cSld>
@@ -547,7 +547,7 @@
           <p:cNvPr id="2" name="竖排标题 1">
             <a:extLst>
               <a:ext uri="{FF2B5EF4-FFF2-40B4-BE49-F238E27FC236}">
-                <a16:creationId xmlns:a16="http://schemas.microsoft.com/office/drawing/2014/main" id="{1B555BA2-5142-2633-FC59-E43135B84DB7}"/>
+                <a16:creationId xmlns:a16="http://schemas.microsoft.com/office/drawing/2014/main" id="{8DCEB46E-0DC1-974D-399D-F8726F5FD049}"/>
               </a:ext>
             </a:extLst>
           </p:cNvPr>
@@ -580,7 +580,7 @@
           <p:cNvPr id="3" name="竖排文字占位符 2">
             <a:extLst>
               <a:ext uri="{FF2B5EF4-FFF2-40B4-BE49-F238E27FC236}">
-                <a16:creationId xmlns:a16="http://schemas.microsoft.com/office/drawing/2014/main" id="{2832180F-561F-EDFB-752E-25B2C1B0BBBF}"/>
+                <a16:creationId xmlns:a16="http://schemas.microsoft.com/office/drawing/2014/main" id="{1C6B0244-E58F-21B2-277A-6E6C1BA284E0}"/>
               </a:ext>
             </a:extLst>
           </p:cNvPr>
@@ -642,7 +642,7 @@
           <p:cNvPr id="4" name="日期占位符 3">
             <a:extLst>
               <a:ext uri="{FF2B5EF4-FFF2-40B4-BE49-F238E27FC236}">
-                <a16:creationId xmlns:a16="http://schemas.microsoft.com/office/drawing/2014/main" id="{AC728AA7-5071-377A-B895-C570BD9ED7F6}"/>
+                <a16:creationId xmlns:a16="http://schemas.microsoft.com/office/drawing/2014/main" id="{59305B6F-48FB-73AD-323F-C99B2822550D}"/>
               </a:ext>
             </a:extLst>
           </p:cNvPr>
@@ -658,7 +658,7 @@
           <a:bodyPr/>
           <a:lstStyle/>
           <a:p>
-            <a:fld id="{0235B761-C1FB-4A42-8968-94F1C6EE055C}" type="datetimeFigureOut">
+            <a:fld id="{4EAD9783-17AF-4CCA-944E-9074335C4262}" type="datetimeFigureOut">
               <a:rPr lang="zh-CN" altLang="en-US" smtClean="0"/>
               <a:t>2024/3/10</a:t>
             </a:fld>
@@ -671,7 +671,7 @@
           <p:cNvPr id="5" name="页脚占位符 4">
             <a:extLst>
               <a:ext uri="{FF2B5EF4-FFF2-40B4-BE49-F238E27FC236}">
-                <a16:creationId xmlns:a16="http://schemas.microsoft.com/office/drawing/2014/main" id="{3764AE1F-C134-B68D-D4A1-589F50F9BE80}"/>
+                <a16:creationId xmlns:a16="http://schemas.microsoft.com/office/drawing/2014/main" id="{4F7D3482-A710-E4B0-80D7-8EF75D3FE42D}"/>
               </a:ext>
             </a:extLst>
           </p:cNvPr>
@@ -696,7 +696,7 @@
           <p:cNvPr id="6" name="灯片编号占位符 5">
             <a:extLst>
               <a:ext uri="{FF2B5EF4-FFF2-40B4-BE49-F238E27FC236}">
-                <a16:creationId xmlns:a16="http://schemas.microsoft.com/office/drawing/2014/main" id="{E3E62CC6-AF15-36E1-8F10-C8B6C307BB14}"/>
+                <a16:creationId xmlns:a16="http://schemas.microsoft.com/office/drawing/2014/main" id="{D22E4712-95ED-1243-A6B5-3329C187CEE9}"/>
               </a:ext>
             </a:extLst>
           </p:cNvPr>
@@ -712,7 +712,7 @@
           <a:bodyPr/>
           <a:lstStyle/>
           <a:p>
-            <a:fld id="{68D0C62E-F5CA-431C-8C77-0F1BB1AF2812}" type="slidenum">
+            <a:fld id="{EBDAB534-8C09-4041-AC9D-C9B9BFC23082}" type="slidenum">
               <a:rPr lang="zh-CN" altLang="en-US" smtClean="0"/>
               <a:t>‹#›</a:t>
             </a:fld>
@@ -723,7 +723,7 @@
     </p:spTree>
     <p:extLst>
       <p:ext uri="{BB962C8B-B14F-4D97-AF65-F5344CB8AC3E}">
-        <p14:creationId xmlns:p14="http://schemas.microsoft.com/office/powerpoint/2010/main" val="472708526"/>
+        <p14:creationId xmlns:p14="http://schemas.microsoft.com/office/powerpoint/2010/main" val="1349507397"/>
       </p:ext>
     </p:extLst>
   </p:cSld>
@@ -755,7 +755,7 @@
           <p:cNvPr id="2" name="标题 1">
             <a:extLst>
               <a:ext uri="{FF2B5EF4-FFF2-40B4-BE49-F238E27FC236}">
-                <a16:creationId xmlns:a16="http://schemas.microsoft.com/office/drawing/2014/main" id="{61AFCC2A-98DC-83BE-C343-7772BCA65929}"/>
+                <a16:creationId xmlns:a16="http://schemas.microsoft.com/office/drawing/2014/main" id="{8AEB7AF6-28CB-0015-CB9A-4C7FD37E459A}"/>
               </a:ext>
             </a:extLst>
           </p:cNvPr>
@@ -783,7 +783,7 @@
           <p:cNvPr id="3" name="内容占位符 2">
             <a:extLst>
               <a:ext uri="{FF2B5EF4-FFF2-40B4-BE49-F238E27FC236}">
-                <a16:creationId xmlns:a16="http://schemas.microsoft.com/office/drawing/2014/main" id="{A4FE8F9A-CABD-0B44-8A7F-73F66048D260}"/>
+                <a16:creationId xmlns:a16="http://schemas.microsoft.com/office/drawing/2014/main" id="{1DB36D5A-8839-0315-1B70-067EA4C49AB0}"/>
               </a:ext>
             </a:extLst>
           </p:cNvPr>
@@ -840,7 +840,7 @@
           <p:cNvPr id="4" name="日期占位符 3">
             <a:extLst>
               <a:ext uri="{FF2B5EF4-FFF2-40B4-BE49-F238E27FC236}">
-                <a16:creationId xmlns:a16="http://schemas.microsoft.com/office/drawing/2014/main" id="{E739F72A-7BB2-298E-5FC5-8DB64B5ED501}"/>
+                <a16:creationId xmlns:a16="http://schemas.microsoft.com/office/drawing/2014/main" id="{789E7D97-C95C-4417-31D1-E698A41CBA9B}"/>
               </a:ext>
             </a:extLst>
           </p:cNvPr>
@@ -856,7 +856,7 @@
           <a:bodyPr/>
           <a:lstStyle/>
           <a:p>
-            <a:fld id="{0235B761-C1FB-4A42-8968-94F1C6EE055C}" type="datetimeFigureOut">
+            <a:fld id="{4EAD9783-17AF-4CCA-944E-9074335C4262}" type="datetimeFigureOut">
               <a:rPr lang="zh-CN" altLang="en-US" smtClean="0"/>
               <a:t>2024/3/10</a:t>
             </a:fld>
@@ -869,7 +869,7 @@
           <p:cNvPr id="5" name="页脚占位符 4">
             <a:extLst>
               <a:ext uri="{FF2B5EF4-FFF2-40B4-BE49-F238E27FC236}">
-                <a16:creationId xmlns:a16="http://schemas.microsoft.com/office/drawing/2014/main" id="{0948DFB1-4C63-743A-C277-6228B69B5F6C}"/>
+                <a16:creationId xmlns:a16="http://schemas.microsoft.com/office/drawing/2014/main" id="{01A2C0BC-95ED-B485-39E3-4CA45CACD447}"/>
               </a:ext>
             </a:extLst>
           </p:cNvPr>
@@ -894,7 +894,7 @@
           <p:cNvPr id="6" name="灯片编号占位符 5">
             <a:extLst>
               <a:ext uri="{FF2B5EF4-FFF2-40B4-BE49-F238E27FC236}">
-                <a16:creationId xmlns:a16="http://schemas.microsoft.com/office/drawing/2014/main" id="{CEB7A76E-8345-4FB5-83FD-1810B4077211}"/>
+                <a16:creationId xmlns:a16="http://schemas.microsoft.com/office/drawing/2014/main" id="{61F90D2C-1B3B-6C17-FD23-456DE8E86D94}"/>
               </a:ext>
             </a:extLst>
           </p:cNvPr>
@@ -910,7 +910,7 @@
           <a:bodyPr/>
           <a:lstStyle/>
           <a:p>
-            <a:fld id="{68D0C62E-F5CA-431C-8C77-0F1BB1AF2812}" type="slidenum">
+            <a:fld id="{EBDAB534-8C09-4041-AC9D-C9B9BFC23082}" type="slidenum">
               <a:rPr lang="zh-CN" altLang="en-US" smtClean="0"/>
               <a:t>‹#›</a:t>
             </a:fld>
@@ -921,7 +921,7 @@
     </p:spTree>
     <p:extLst>
       <p:ext uri="{BB962C8B-B14F-4D97-AF65-F5344CB8AC3E}">
-        <p14:creationId xmlns:p14="http://schemas.microsoft.com/office/powerpoint/2010/main" val="1835309296"/>
+        <p14:creationId xmlns:p14="http://schemas.microsoft.com/office/powerpoint/2010/main" val="2894593082"/>
       </p:ext>
     </p:extLst>
   </p:cSld>
@@ -953,7 +953,7 @@
           <p:cNvPr id="2" name="标题 1">
             <a:extLst>
               <a:ext uri="{FF2B5EF4-FFF2-40B4-BE49-F238E27FC236}">
-                <a16:creationId xmlns:a16="http://schemas.microsoft.com/office/drawing/2014/main" id="{B8B0681C-4914-04E2-687F-9D5AF7362CE8}"/>
+                <a16:creationId xmlns:a16="http://schemas.microsoft.com/office/drawing/2014/main" id="{9D2F8BB4-D5F8-5883-6EAD-B316155EA132}"/>
               </a:ext>
             </a:extLst>
           </p:cNvPr>
@@ -990,7 +990,7 @@
           <p:cNvPr id="3" name="文本占位符 2">
             <a:extLst>
               <a:ext uri="{FF2B5EF4-FFF2-40B4-BE49-F238E27FC236}">
-                <a16:creationId xmlns:a16="http://schemas.microsoft.com/office/drawing/2014/main" id="{2E7027BB-86DA-8A40-1A57-D63E5F19709F}"/>
+                <a16:creationId xmlns:a16="http://schemas.microsoft.com/office/drawing/2014/main" id="{DD3B8A15-590B-0F19-B688-96F59DABE48A}"/>
               </a:ext>
             </a:extLst>
           </p:cNvPr>
@@ -1115,7 +1115,7 @@
           <p:cNvPr id="4" name="日期占位符 3">
             <a:extLst>
               <a:ext uri="{FF2B5EF4-FFF2-40B4-BE49-F238E27FC236}">
-                <a16:creationId xmlns:a16="http://schemas.microsoft.com/office/drawing/2014/main" id="{4C178CAE-15B1-19E1-9046-B91E31F6CA85}"/>
+                <a16:creationId xmlns:a16="http://schemas.microsoft.com/office/drawing/2014/main" id="{4392E635-B54D-484A-809C-08833289C926}"/>
               </a:ext>
             </a:extLst>
           </p:cNvPr>
@@ -1131,7 +1131,7 @@
           <a:bodyPr/>
           <a:lstStyle/>
           <a:p>
-            <a:fld id="{0235B761-C1FB-4A42-8968-94F1C6EE055C}" type="datetimeFigureOut">
+            <a:fld id="{4EAD9783-17AF-4CCA-944E-9074335C4262}" type="datetimeFigureOut">
               <a:rPr lang="zh-CN" altLang="en-US" smtClean="0"/>
               <a:t>2024/3/10</a:t>
             </a:fld>
@@ -1144,7 +1144,7 @@
           <p:cNvPr id="5" name="页脚占位符 4">
             <a:extLst>
               <a:ext uri="{FF2B5EF4-FFF2-40B4-BE49-F238E27FC236}">
-                <a16:creationId xmlns:a16="http://schemas.microsoft.com/office/drawing/2014/main" id="{5BC06016-32CB-A83C-177D-18644B64F5E8}"/>
+                <a16:creationId xmlns:a16="http://schemas.microsoft.com/office/drawing/2014/main" id="{5DA13266-709B-B85B-B1CC-D906423EF4D9}"/>
               </a:ext>
             </a:extLst>
           </p:cNvPr>
@@ -1169,7 +1169,7 @@
           <p:cNvPr id="6" name="灯片编号占位符 5">
             <a:extLst>
               <a:ext uri="{FF2B5EF4-FFF2-40B4-BE49-F238E27FC236}">
-                <a16:creationId xmlns:a16="http://schemas.microsoft.com/office/drawing/2014/main" id="{566A36EE-1BCD-5239-CD36-FAF28F6A9103}"/>
+                <a16:creationId xmlns:a16="http://schemas.microsoft.com/office/drawing/2014/main" id="{5C4D2F4B-9AF5-64DD-7D5B-771E2EAB1C27}"/>
               </a:ext>
             </a:extLst>
           </p:cNvPr>
@@ -1185,7 +1185,7 @@
           <a:bodyPr/>
           <a:lstStyle/>
           <a:p>
-            <a:fld id="{68D0C62E-F5CA-431C-8C77-0F1BB1AF2812}" type="slidenum">
+            <a:fld id="{EBDAB534-8C09-4041-AC9D-C9B9BFC23082}" type="slidenum">
               <a:rPr lang="zh-CN" altLang="en-US" smtClean="0"/>
               <a:t>‹#›</a:t>
             </a:fld>
@@ -1196,7 +1196,7 @@
     </p:spTree>
     <p:extLst>
       <p:ext uri="{BB962C8B-B14F-4D97-AF65-F5344CB8AC3E}">
-        <p14:creationId xmlns:p14="http://schemas.microsoft.com/office/powerpoint/2010/main" val="3332647064"/>
+        <p14:creationId xmlns:p14="http://schemas.microsoft.com/office/powerpoint/2010/main" val="2501872130"/>
       </p:ext>
     </p:extLst>
   </p:cSld>
@@ -1228,7 +1228,7 @@
           <p:cNvPr id="2" name="标题 1">
             <a:extLst>
               <a:ext uri="{FF2B5EF4-FFF2-40B4-BE49-F238E27FC236}">
-                <a16:creationId xmlns:a16="http://schemas.microsoft.com/office/drawing/2014/main" id="{308A9F7B-707F-70C4-74C4-DEEE84BE6324}"/>
+                <a16:creationId xmlns:a16="http://schemas.microsoft.com/office/drawing/2014/main" id="{1E0B243E-05C1-D0BA-4614-7EB59E78D5AA}"/>
               </a:ext>
             </a:extLst>
           </p:cNvPr>
@@ -1256,7 +1256,7 @@
           <p:cNvPr id="3" name="内容占位符 2">
             <a:extLst>
               <a:ext uri="{FF2B5EF4-FFF2-40B4-BE49-F238E27FC236}">
-                <a16:creationId xmlns:a16="http://schemas.microsoft.com/office/drawing/2014/main" id="{FBBA3715-0F2F-E70C-A61F-C8E827E7C4AB}"/>
+                <a16:creationId xmlns:a16="http://schemas.microsoft.com/office/drawing/2014/main" id="{1C56CC74-F737-B531-8AC4-83A76AD31FFC}"/>
               </a:ext>
             </a:extLst>
           </p:cNvPr>
@@ -1318,7 +1318,7 @@
           <p:cNvPr id="4" name="内容占位符 3">
             <a:extLst>
               <a:ext uri="{FF2B5EF4-FFF2-40B4-BE49-F238E27FC236}">
-                <a16:creationId xmlns:a16="http://schemas.microsoft.com/office/drawing/2014/main" id="{120BEED9-B8E6-AB7A-F599-A9BB98C0CC2C}"/>
+                <a16:creationId xmlns:a16="http://schemas.microsoft.com/office/drawing/2014/main" id="{CB30FD07-CFC7-1D26-B7B6-348EEA31652E}"/>
               </a:ext>
             </a:extLst>
           </p:cNvPr>
@@ -1380,7 +1380,7 @@
           <p:cNvPr id="5" name="日期占位符 4">
             <a:extLst>
               <a:ext uri="{FF2B5EF4-FFF2-40B4-BE49-F238E27FC236}">
-                <a16:creationId xmlns:a16="http://schemas.microsoft.com/office/drawing/2014/main" id="{EA2064EA-C3BD-D855-27DF-2A3E7958A470}"/>
+                <a16:creationId xmlns:a16="http://schemas.microsoft.com/office/drawing/2014/main" id="{F3826CD8-21CA-8A34-B01B-3209F384B1DD}"/>
               </a:ext>
             </a:extLst>
           </p:cNvPr>
@@ -1396,7 +1396,7 @@
           <a:bodyPr/>
           <a:lstStyle/>
           <a:p>
-            <a:fld id="{0235B761-C1FB-4A42-8968-94F1C6EE055C}" type="datetimeFigureOut">
+            <a:fld id="{4EAD9783-17AF-4CCA-944E-9074335C4262}" type="datetimeFigureOut">
               <a:rPr lang="zh-CN" altLang="en-US" smtClean="0"/>
               <a:t>2024/3/10</a:t>
             </a:fld>
@@ -1409,7 +1409,7 @@
           <p:cNvPr id="6" name="页脚占位符 5">
             <a:extLst>
               <a:ext uri="{FF2B5EF4-FFF2-40B4-BE49-F238E27FC236}">
-                <a16:creationId xmlns:a16="http://schemas.microsoft.com/office/drawing/2014/main" id="{09082EBE-2541-44B8-1723-EC8F87822D91}"/>
+                <a16:creationId xmlns:a16="http://schemas.microsoft.com/office/drawing/2014/main" id="{D9B661A2-78B8-F58B-955C-1B309367824D}"/>
               </a:ext>
             </a:extLst>
           </p:cNvPr>
@@ -1434,7 +1434,7 @@
           <p:cNvPr id="7" name="灯片编号占位符 6">
             <a:extLst>
               <a:ext uri="{FF2B5EF4-FFF2-40B4-BE49-F238E27FC236}">
-                <a16:creationId xmlns:a16="http://schemas.microsoft.com/office/drawing/2014/main" id="{C48F721D-1000-9C31-B767-08866991EAAA}"/>
+                <a16:creationId xmlns:a16="http://schemas.microsoft.com/office/drawing/2014/main" id="{89ECAD44-64F2-C255-8FE3-B11224FFB507}"/>
               </a:ext>
             </a:extLst>
           </p:cNvPr>
@@ -1450,7 +1450,7 @@
           <a:bodyPr/>
           <a:lstStyle/>
           <a:p>
-            <a:fld id="{68D0C62E-F5CA-431C-8C77-0F1BB1AF2812}" type="slidenum">
+            <a:fld id="{EBDAB534-8C09-4041-AC9D-C9B9BFC23082}" type="slidenum">
               <a:rPr lang="zh-CN" altLang="en-US" smtClean="0"/>
               <a:t>‹#›</a:t>
             </a:fld>
@@ -1461,7 +1461,7 @@
     </p:spTree>
     <p:extLst>
       <p:ext uri="{BB962C8B-B14F-4D97-AF65-F5344CB8AC3E}">
-        <p14:creationId xmlns:p14="http://schemas.microsoft.com/office/powerpoint/2010/main" val="2156598216"/>
+        <p14:creationId xmlns:p14="http://schemas.microsoft.com/office/powerpoint/2010/main" val="1345669578"/>
       </p:ext>
     </p:extLst>
   </p:cSld>
@@ -1493,7 +1493,7 @@
           <p:cNvPr id="2" name="标题 1">
             <a:extLst>
               <a:ext uri="{FF2B5EF4-FFF2-40B4-BE49-F238E27FC236}">
-                <a16:creationId xmlns:a16="http://schemas.microsoft.com/office/drawing/2014/main" id="{0A640528-8204-1ECA-4A3D-7EFE6800E892}"/>
+                <a16:creationId xmlns:a16="http://schemas.microsoft.com/office/drawing/2014/main" id="{9004E772-609C-651A-DA77-324944ACCB59}"/>
               </a:ext>
             </a:extLst>
           </p:cNvPr>
@@ -1526,7 +1526,7 @@
           <p:cNvPr id="3" name="文本占位符 2">
             <a:extLst>
               <a:ext uri="{FF2B5EF4-FFF2-40B4-BE49-F238E27FC236}">
-                <a16:creationId xmlns:a16="http://schemas.microsoft.com/office/drawing/2014/main" id="{3FFA9C0A-EB11-1A8F-A0DF-9BAD52930B1F}"/>
+                <a16:creationId xmlns:a16="http://schemas.microsoft.com/office/drawing/2014/main" id="{6873B15C-E15E-D3DB-F86B-275B3ED7445F}"/>
               </a:ext>
             </a:extLst>
           </p:cNvPr>
@@ -1597,7 +1597,7 @@
           <p:cNvPr id="4" name="内容占位符 3">
             <a:extLst>
               <a:ext uri="{FF2B5EF4-FFF2-40B4-BE49-F238E27FC236}">
-                <a16:creationId xmlns:a16="http://schemas.microsoft.com/office/drawing/2014/main" id="{BD25F815-8729-94EC-373C-163FF825F264}"/>
+                <a16:creationId xmlns:a16="http://schemas.microsoft.com/office/drawing/2014/main" id="{C3E880AC-0CBB-882E-D4B2-BD22F4181FDD}"/>
               </a:ext>
             </a:extLst>
           </p:cNvPr>
@@ -1659,7 +1659,7 @@
           <p:cNvPr id="5" name="文本占位符 4">
             <a:extLst>
               <a:ext uri="{FF2B5EF4-FFF2-40B4-BE49-F238E27FC236}">
-                <a16:creationId xmlns:a16="http://schemas.microsoft.com/office/drawing/2014/main" id="{D3146390-B604-E6DA-BBB8-D2A93661BBBF}"/>
+                <a16:creationId xmlns:a16="http://schemas.microsoft.com/office/drawing/2014/main" id="{C46FCEA4-1636-2AB0-7795-5F936EA5C70D}"/>
               </a:ext>
             </a:extLst>
           </p:cNvPr>
@@ -1730,7 +1730,7 @@
           <p:cNvPr id="6" name="内容占位符 5">
             <a:extLst>
               <a:ext uri="{FF2B5EF4-FFF2-40B4-BE49-F238E27FC236}">
-                <a16:creationId xmlns:a16="http://schemas.microsoft.com/office/drawing/2014/main" id="{B5571969-1169-CF3B-6A0B-7917AEBF7DD7}"/>
+                <a16:creationId xmlns:a16="http://schemas.microsoft.com/office/drawing/2014/main" id="{AB0591AB-72CF-65B6-D821-5E8381F5B2FD}"/>
               </a:ext>
             </a:extLst>
           </p:cNvPr>
@@ -1792,7 +1792,7 @@
           <p:cNvPr id="7" name="日期占位符 6">
             <a:extLst>
               <a:ext uri="{FF2B5EF4-FFF2-40B4-BE49-F238E27FC236}">
-                <a16:creationId xmlns:a16="http://schemas.microsoft.com/office/drawing/2014/main" id="{954A3E31-E20C-B858-E6ED-BE2D14EC7DD3}"/>
+                <a16:creationId xmlns:a16="http://schemas.microsoft.com/office/drawing/2014/main" id="{13A5E3A3-F82E-EF0E-0740-6BE752580602}"/>
               </a:ext>
             </a:extLst>
           </p:cNvPr>
@@ -1808,7 +1808,7 @@
           <a:bodyPr/>
           <a:lstStyle/>
           <a:p>
-            <a:fld id="{0235B761-C1FB-4A42-8968-94F1C6EE055C}" type="datetimeFigureOut">
+            <a:fld id="{4EAD9783-17AF-4CCA-944E-9074335C4262}" type="datetimeFigureOut">
               <a:rPr lang="zh-CN" altLang="en-US" smtClean="0"/>
               <a:t>2024/3/10</a:t>
             </a:fld>
@@ -1821,7 +1821,7 @@
           <p:cNvPr id="8" name="页脚占位符 7">
             <a:extLst>
               <a:ext uri="{FF2B5EF4-FFF2-40B4-BE49-F238E27FC236}">
-                <a16:creationId xmlns:a16="http://schemas.microsoft.com/office/drawing/2014/main" id="{02611D8F-C755-68FB-10CF-27182179B9EC}"/>
+                <a16:creationId xmlns:a16="http://schemas.microsoft.com/office/drawing/2014/main" id="{7BF1D958-2C03-03F6-39FA-DC3522B9CEDB}"/>
               </a:ext>
             </a:extLst>
           </p:cNvPr>
@@ -1846,7 +1846,7 @@
           <p:cNvPr id="9" name="灯片编号占位符 8">
             <a:extLst>
               <a:ext uri="{FF2B5EF4-FFF2-40B4-BE49-F238E27FC236}">
-                <a16:creationId xmlns:a16="http://schemas.microsoft.com/office/drawing/2014/main" id="{5C539C1C-F256-7416-576E-CD5D30E82A3E}"/>
+                <a16:creationId xmlns:a16="http://schemas.microsoft.com/office/drawing/2014/main" id="{32F8F71E-C0B5-F726-EB3B-BECFAC45253B}"/>
               </a:ext>
             </a:extLst>
           </p:cNvPr>
@@ -1862,7 +1862,7 @@
           <a:bodyPr/>
           <a:lstStyle/>
           <a:p>
-            <a:fld id="{68D0C62E-F5CA-431C-8C77-0F1BB1AF2812}" type="slidenum">
+            <a:fld id="{EBDAB534-8C09-4041-AC9D-C9B9BFC23082}" type="slidenum">
               <a:rPr lang="zh-CN" altLang="en-US" smtClean="0"/>
               <a:t>‹#›</a:t>
             </a:fld>
@@ -1873,7 +1873,7 @@
     </p:spTree>
     <p:extLst>
       <p:ext uri="{BB962C8B-B14F-4D97-AF65-F5344CB8AC3E}">
-        <p14:creationId xmlns:p14="http://schemas.microsoft.com/office/powerpoint/2010/main" val="415215845"/>
+        <p14:creationId xmlns:p14="http://schemas.microsoft.com/office/powerpoint/2010/main" val="4065628429"/>
       </p:ext>
     </p:extLst>
   </p:cSld>
@@ -1905,7 +1905,7 @@
           <p:cNvPr id="2" name="标题 1">
             <a:extLst>
               <a:ext uri="{FF2B5EF4-FFF2-40B4-BE49-F238E27FC236}">
-                <a16:creationId xmlns:a16="http://schemas.microsoft.com/office/drawing/2014/main" id="{69084AB7-8F6F-F3F1-D543-326057923A58}"/>
+                <a16:creationId xmlns:a16="http://schemas.microsoft.com/office/drawing/2014/main" id="{741C8282-3434-AC4B-6C2D-E5C75C5CFE8B}"/>
               </a:ext>
             </a:extLst>
           </p:cNvPr>
@@ -1933,7 +1933,7 @@
           <p:cNvPr id="3" name="日期占位符 2">
             <a:extLst>
               <a:ext uri="{FF2B5EF4-FFF2-40B4-BE49-F238E27FC236}">
-                <a16:creationId xmlns:a16="http://schemas.microsoft.com/office/drawing/2014/main" id="{0D5E1E1E-887E-900C-DDFF-B6FEBF4BCFDB}"/>
+                <a16:creationId xmlns:a16="http://schemas.microsoft.com/office/drawing/2014/main" id="{2B039219-B464-3406-25DB-82B653D189B9}"/>
               </a:ext>
             </a:extLst>
           </p:cNvPr>
@@ -1949,7 +1949,7 @@
           <a:bodyPr/>
           <a:lstStyle/>
           <a:p>
-            <a:fld id="{0235B761-C1FB-4A42-8968-94F1C6EE055C}" type="datetimeFigureOut">
+            <a:fld id="{4EAD9783-17AF-4CCA-944E-9074335C4262}" type="datetimeFigureOut">
               <a:rPr lang="zh-CN" altLang="en-US" smtClean="0"/>
               <a:t>2024/3/10</a:t>
             </a:fld>
@@ -1962,7 +1962,7 @@
           <p:cNvPr id="4" name="页脚占位符 3">
             <a:extLst>
               <a:ext uri="{FF2B5EF4-FFF2-40B4-BE49-F238E27FC236}">
-                <a16:creationId xmlns:a16="http://schemas.microsoft.com/office/drawing/2014/main" id="{287160BC-7BC3-47BA-62DF-793B9981C2C4}"/>
+                <a16:creationId xmlns:a16="http://schemas.microsoft.com/office/drawing/2014/main" id="{74F46E50-CD70-2C02-3452-64C87396B4F1}"/>
               </a:ext>
             </a:extLst>
           </p:cNvPr>
@@ -1987,7 +1987,7 @@
           <p:cNvPr id="5" name="灯片编号占位符 4">
             <a:extLst>
               <a:ext uri="{FF2B5EF4-FFF2-40B4-BE49-F238E27FC236}">
-                <a16:creationId xmlns:a16="http://schemas.microsoft.com/office/drawing/2014/main" id="{A007C7A0-C261-D421-3024-1E32A0A86627}"/>
+                <a16:creationId xmlns:a16="http://schemas.microsoft.com/office/drawing/2014/main" id="{EC97236D-4906-8727-810A-8E7C27D6473F}"/>
               </a:ext>
             </a:extLst>
           </p:cNvPr>
@@ -2003,7 +2003,7 @@
           <a:bodyPr/>
           <a:lstStyle/>
           <a:p>
-            <a:fld id="{68D0C62E-F5CA-431C-8C77-0F1BB1AF2812}" type="slidenum">
+            <a:fld id="{EBDAB534-8C09-4041-AC9D-C9B9BFC23082}" type="slidenum">
               <a:rPr lang="zh-CN" altLang="en-US" smtClean="0"/>
               <a:t>‹#›</a:t>
             </a:fld>
@@ -2014,7 +2014,7 @@
     </p:spTree>
     <p:extLst>
       <p:ext uri="{BB962C8B-B14F-4D97-AF65-F5344CB8AC3E}">
-        <p14:creationId xmlns:p14="http://schemas.microsoft.com/office/powerpoint/2010/main" val="3433544526"/>
+        <p14:creationId xmlns:p14="http://schemas.microsoft.com/office/powerpoint/2010/main" val="4159203423"/>
       </p:ext>
     </p:extLst>
   </p:cSld>
@@ -2046,7 +2046,7 @@
           <p:cNvPr id="2" name="日期占位符 1">
             <a:extLst>
               <a:ext uri="{FF2B5EF4-FFF2-40B4-BE49-F238E27FC236}">
-                <a16:creationId xmlns:a16="http://schemas.microsoft.com/office/drawing/2014/main" id="{CA27EF11-ED73-128D-E575-6EF50FDC168C}"/>
+                <a16:creationId xmlns:a16="http://schemas.microsoft.com/office/drawing/2014/main" id="{60AEFF82-8602-0DA7-9BF8-DD86F53993FD}"/>
               </a:ext>
             </a:extLst>
           </p:cNvPr>
@@ -2062,7 +2062,7 @@
           <a:bodyPr/>
           <a:lstStyle/>
           <a:p>
-            <a:fld id="{0235B761-C1FB-4A42-8968-94F1C6EE055C}" type="datetimeFigureOut">
+            <a:fld id="{4EAD9783-17AF-4CCA-944E-9074335C4262}" type="datetimeFigureOut">
               <a:rPr lang="zh-CN" altLang="en-US" smtClean="0"/>
               <a:t>2024/3/10</a:t>
             </a:fld>
@@ -2075,7 +2075,7 @@
           <p:cNvPr id="3" name="页脚占位符 2">
             <a:extLst>
               <a:ext uri="{FF2B5EF4-FFF2-40B4-BE49-F238E27FC236}">
-                <a16:creationId xmlns:a16="http://schemas.microsoft.com/office/drawing/2014/main" id="{DE526210-01C1-A6A9-7436-1B5F86B6D6E6}"/>
+                <a16:creationId xmlns:a16="http://schemas.microsoft.com/office/drawing/2014/main" id="{86AD9FFA-8080-DCAC-2B0D-11569F36C6A3}"/>
               </a:ext>
             </a:extLst>
           </p:cNvPr>
@@ -2100,7 +2100,7 @@
           <p:cNvPr id="4" name="灯片编号占位符 3">
             <a:extLst>
               <a:ext uri="{FF2B5EF4-FFF2-40B4-BE49-F238E27FC236}">
-                <a16:creationId xmlns:a16="http://schemas.microsoft.com/office/drawing/2014/main" id="{A1081D16-937A-67BD-B9BE-B371DBE1B169}"/>
+                <a16:creationId xmlns:a16="http://schemas.microsoft.com/office/drawing/2014/main" id="{DD40A11C-50AC-1CE3-75B5-24ACE2318B34}"/>
               </a:ext>
             </a:extLst>
           </p:cNvPr>
@@ -2116,7 +2116,7 @@
           <a:bodyPr/>
           <a:lstStyle/>
           <a:p>
-            <a:fld id="{68D0C62E-F5CA-431C-8C77-0F1BB1AF2812}" type="slidenum">
+            <a:fld id="{EBDAB534-8C09-4041-AC9D-C9B9BFC23082}" type="slidenum">
               <a:rPr lang="zh-CN" altLang="en-US" smtClean="0"/>
               <a:t>‹#›</a:t>
             </a:fld>
@@ -2127,7 +2127,7 @@
     </p:spTree>
     <p:extLst>
       <p:ext uri="{BB962C8B-B14F-4D97-AF65-F5344CB8AC3E}">
-        <p14:creationId xmlns:p14="http://schemas.microsoft.com/office/powerpoint/2010/main" val="1663494834"/>
+        <p14:creationId xmlns:p14="http://schemas.microsoft.com/office/powerpoint/2010/main" val="1496371218"/>
       </p:ext>
     </p:extLst>
   </p:cSld>
@@ -2159,7 +2159,7 @@
           <p:cNvPr id="2" name="标题 1">
             <a:extLst>
               <a:ext uri="{FF2B5EF4-FFF2-40B4-BE49-F238E27FC236}">
-                <a16:creationId xmlns:a16="http://schemas.microsoft.com/office/drawing/2014/main" id="{EF29DB9C-DF17-D52D-F573-4EAEB7107497}"/>
+                <a16:creationId xmlns:a16="http://schemas.microsoft.com/office/drawing/2014/main" id="{6F589C0E-8915-D568-D4FD-CDC832234548}"/>
               </a:ext>
             </a:extLst>
           </p:cNvPr>
@@ -2196,7 +2196,7 @@
           <p:cNvPr id="3" name="内容占位符 2">
             <a:extLst>
               <a:ext uri="{FF2B5EF4-FFF2-40B4-BE49-F238E27FC236}">
-                <a16:creationId xmlns:a16="http://schemas.microsoft.com/office/drawing/2014/main" id="{C22B2EE7-83F8-EDE0-5CF9-546BD3873101}"/>
+                <a16:creationId xmlns:a16="http://schemas.microsoft.com/office/drawing/2014/main" id="{8FAB15A5-748D-5FFE-6225-C618C8AC7CAF}"/>
               </a:ext>
             </a:extLst>
           </p:cNvPr>
@@ -2286,7 +2286,7 @@
           <p:cNvPr id="4" name="文本占位符 3">
             <a:extLst>
               <a:ext uri="{FF2B5EF4-FFF2-40B4-BE49-F238E27FC236}">
-                <a16:creationId xmlns:a16="http://schemas.microsoft.com/office/drawing/2014/main" id="{CEAEB483-9865-3A30-A8E8-92B2F0A4190E}"/>
+                <a16:creationId xmlns:a16="http://schemas.microsoft.com/office/drawing/2014/main" id="{DC776105-21AC-053A-CE18-1453CEB8B123}"/>
               </a:ext>
             </a:extLst>
           </p:cNvPr>
@@ -2357,7 +2357,7 @@
           <p:cNvPr id="5" name="日期占位符 4">
             <a:extLst>
               <a:ext uri="{FF2B5EF4-FFF2-40B4-BE49-F238E27FC236}">
-                <a16:creationId xmlns:a16="http://schemas.microsoft.com/office/drawing/2014/main" id="{705FB42C-C7E1-CB9B-645D-BBB2E3DA816C}"/>
+                <a16:creationId xmlns:a16="http://schemas.microsoft.com/office/drawing/2014/main" id="{E0D2D98C-3346-950A-F370-1D19AFF7168A}"/>
               </a:ext>
             </a:extLst>
           </p:cNvPr>
@@ -2373,7 +2373,7 @@
           <a:bodyPr/>
           <a:lstStyle/>
           <a:p>
-            <a:fld id="{0235B761-C1FB-4A42-8968-94F1C6EE055C}" type="datetimeFigureOut">
+            <a:fld id="{4EAD9783-17AF-4CCA-944E-9074335C4262}" type="datetimeFigureOut">
               <a:rPr lang="zh-CN" altLang="en-US" smtClean="0"/>
               <a:t>2024/3/10</a:t>
             </a:fld>
@@ -2386,7 +2386,7 @@
           <p:cNvPr id="6" name="页脚占位符 5">
             <a:extLst>
               <a:ext uri="{FF2B5EF4-FFF2-40B4-BE49-F238E27FC236}">
-                <a16:creationId xmlns:a16="http://schemas.microsoft.com/office/drawing/2014/main" id="{1157A25F-CA81-4349-BEB2-C24C6C2CA3BF}"/>
+                <a16:creationId xmlns:a16="http://schemas.microsoft.com/office/drawing/2014/main" id="{1D9FB182-7715-B420-03C1-BC72299D9E8C}"/>
               </a:ext>
             </a:extLst>
           </p:cNvPr>
@@ -2411,7 +2411,7 @@
           <p:cNvPr id="7" name="灯片编号占位符 6">
             <a:extLst>
               <a:ext uri="{FF2B5EF4-FFF2-40B4-BE49-F238E27FC236}">
-                <a16:creationId xmlns:a16="http://schemas.microsoft.com/office/drawing/2014/main" id="{39FF372A-40C7-13BD-E618-5E0274BBFE21}"/>
+                <a16:creationId xmlns:a16="http://schemas.microsoft.com/office/drawing/2014/main" id="{E66624E8-02EF-1D6C-99AB-DC8751D50130}"/>
               </a:ext>
             </a:extLst>
           </p:cNvPr>
@@ -2427,7 +2427,7 @@
           <a:bodyPr/>
           <a:lstStyle/>
           <a:p>
-            <a:fld id="{68D0C62E-F5CA-431C-8C77-0F1BB1AF2812}" type="slidenum">
+            <a:fld id="{EBDAB534-8C09-4041-AC9D-C9B9BFC23082}" type="slidenum">
               <a:rPr lang="zh-CN" altLang="en-US" smtClean="0"/>
               <a:t>‹#›</a:t>
             </a:fld>
@@ -2438,7 +2438,7 @@
     </p:spTree>
     <p:extLst>
       <p:ext uri="{BB962C8B-B14F-4D97-AF65-F5344CB8AC3E}">
-        <p14:creationId xmlns:p14="http://schemas.microsoft.com/office/powerpoint/2010/main" val="3566678393"/>
+        <p14:creationId xmlns:p14="http://schemas.microsoft.com/office/powerpoint/2010/main" val="1825875000"/>
       </p:ext>
     </p:extLst>
   </p:cSld>
@@ -2470,7 +2470,7 @@
           <p:cNvPr id="2" name="标题 1">
             <a:extLst>
               <a:ext uri="{FF2B5EF4-FFF2-40B4-BE49-F238E27FC236}">
-                <a16:creationId xmlns:a16="http://schemas.microsoft.com/office/drawing/2014/main" id="{54921845-E6C6-BE42-07BE-CFECEF6A21EF}"/>
+                <a16:creationId xmlns:a16="http://schemas.microsoft.com/office/drawing/2014/main" id="{E4E2042C-4D51-CABC-FA18-077446FB061E}"/>
               </a:ext>
             </a:extLst>
           </p:cNvPr>
@@ -2507,7 +2507,7 @@
           <p:cNvPr id="3" name="图片占位符 2">
             <a:extLst>
               <a:ext uri="{FF2B5EF4-FFF2-40B4-BE49-F238E27FC236}">
-                <a16:creationId xmlns:a16="http://schemas.microsoft.com/office/drawing/2014/main" id="{ED91D3C2-FA11-78AE-6E5E-F9F65E2D3761}"/>
+                <a16:creationId xmlns:a16="http://schemas.microsoft.com/office/drawing/2014/main" id="{BC6ABF0C-4746-B8B5-6CC1-1AAD6547AAA2}"/>
               </a:ext>
             </a:extLst>
           </p:cNvPr>
@@ -2574,7 +2574,7 @@
           <p:cNvPr id="4" name="文本占位符 3">
             <a:extLst>
               <a:ext uri="{FF2B5EF4-FFF2-40B4-BE49-F238E27FC236}">
-                <a16:creationId xmlns:a16="http://schemas.microsoft.com/office/drawing/2014/main" id="{B6DF4943-E5B1-E1BC-7F3E-84DBBFF7E371}"/>
+                <a16:creationId xmlns:a16="http://schemas.microsoft.com/office/drawing/2014/main" id="{C2D31A22-D9BF-C509-9DFB-4472BE4E94D5}"/>
               </a:ext>
             </a:extLst>
           </p:cNvPr>
@@ -2645,7 +2645,7 @@
           <p:cNvPr id="5" name="日期占位符 4">
             <a:extLst>
               <a:ext uri="{FF2B5EF4-FFF2-40B4-BE49-F238E27FC236}">
-                <a16:creationId xmlns:a16="http://schemas.microsoft.com/office/drawing/2014/main" id="{A703C561-83E8-3341-DA2E-E0D7574BE9BD}"/>
+                <a16:creationId xmlns:a16="http://schemas.microsoft.com/office/drawing/2014/main" id="{A2E97D6C-7FCE-BECE-2F6F-EFBB3CA3110D}"/>
               </a:ext>
             </a:extLst>
           </p:cNvPr>
@@ -2661,7 +2661,7 @@
           <a:bodyPr/>
           <a:lstStyle/>
           <a:p>
-            <a:fld id="{0235B761-C1FB-4A42-8968-94F1C6EE055C}" type="datetimeFigureOut">
+            <a:fld id="{4EAD9783-17AF-4CCA-944E-9074335C4262}" type="datetimeFigureOut">
               <a:rPr lang="zh-CN" altLang="en-US" smtClean="0"/>
               <a:t>2024/3/10</a:t>
             </a:fld>
@@ -2674,7 +2674,7 @@
           <p:cNvPr id="6" name="页脚占位符 5">
             <a:extLst>
               <a:ext uri="{FF2B5EF4-FFF2-40B4-BE49-F238E27FC236}">
-                <a16:creationId xmlns:a16="http://schemas.microsoft.com/office/drawing/2014/main" id="{8A38D8FC-BF11-A289-0CC3-BE2E078F929E}"/>
+                <a16:creationId xmlns:a16="http://schemas.microsoft.com/office/drawing/2014/main" id="{ABFB31D6-663D-2C4C-EAA3-38F0312DE3AF}"/>
               </a:ext>
             </a:extLst>
           </p:cNvPr>
@@ -2699,7 +2699,7 @@
           <p:cNvPr id="7" name="灯片编号占位符 6">
             <a:extLst>
               <a:ext uri="{FF2B5EF4-FFF2-40B4-BE49-F238E27FC236}">
-                <a16:creationId xmlns:a16="http://schemas.microsoft.com/office/drawing/2014/main" id="{4CF35773-8F08-F0EC-922C-19F34B8A6EC0}"/>
+                <a16:creationId xmlns:a16="http://schemas.microsoft.com/office/drawing/2014/main" id="{6C9957E9-ED91-5FB4-5546-5930F0CBEB95}"/>
               </a:ext>
             </a:extLst>
           </p:cNvPr>
@@ -2715,7 +2715,7 @@
           <a:bodyPr/>
           <a:lstStyle/>
           <a:p>
-            <a:fld id="{68D0C62E-F5CA-431C-8C77-0F1BB1AF2812}" type="slidenum">
+            <a:fld id="{EBDAB534-8C09-4041-AC9D-C9B9BFC23082}" type="slidenum">
               <a:rPr lang="zh-CN" altLang="en-US" smtClean="0"/>
               <a:t>‹#›</a:t>
             </a:fld>
@@ -2726,7 +2726,7 @@
     </p:spTree>
     <p:extLst>
       <p:ext uri="{BB962C8B-B14F-4D97-AF65-F5344CB8AC3E}">
-        <p14:creationId xmlns:p14="http://schemas.microsoft.com/office/powerpoint/2010/main" val="2718012185"/>
+        <p14:creationId xmlns:p14="http://schemas.microsoft.com/office/powerpoint/2010/main" val="1700494110"/>
       </p:ext>
     </p:extLst>
   </p:cSld>
@@ -2763,7 +2763,7 @@
           <p:cNvPr id="2" name="标题占位符 1">
             <a:extLst>
               <a:ext uri="{FF2B5EF4-FFF2-40B4-BE49-F238E27FC236}">
-                <a16:creationId xmlns:a16="http://schemas.microsoft.com/office/drawing/2014/main" id="{94D1F298-399D-4991-0727-CF3F219952C4}"/>
+                <a16:creationId xmlns:a16="http://schemas.microsoft.com/office/drawing/2014/main" id="{D8372AAB-E410-67B9-988A-3CCABE1EF893}"/>
               </a:ext>
             </a:extLst>
           </p:cNvPr>
@@ -2801,7 +2801,7 @@
           <p:cNvPr id="3" name="文本占位符 2">
             <a:extLst>
               <a:ext uri="{FF2B5EF4-FFF2-40B4-BE49-F238E27FC236}">
-                <a16:creationId xmlns:a16="http://schemas.microsoft.com/office/drawing/2014/main" id="{41FE0428-D70D-F978-73B3-16E148CB9A49}"/>
+                <a16:creationId xmlns:a16="http://schemas.microsoft.com/office/drawing/2014/main" id="{02E96269-B3DA-B113-05D5-89BF89FAD6FF}"/>
               </a:ext>
             </a:extLst>
           </p:cNvPr>
@@ -2868,7 +2868,7 @@
           <p:cNvPr id="4" name="日期占位符 3">
             <a:extLst>
               <a:ext uri="{FF2B5EF4-FFF2-40B4-BE49-F238E27FC236}">
-                <a16:creationId xmlns:a16="http://schemas.microsoft.com/office/drawing/2014/main" id="{FDEC24E1-FEC7-7B6B-3B6D-B91692107CA7}"/>
+                <a16:creationId xmlns:a16="http://schemas.microsoft.com/office/drawing/2014/main" id="{8C50F601-9618-6F5F-ECC3-6B508D85EFD4}"/>
               </a:ext>
             </a:extLst>
           </p:cNvPr>
@@ -2902,7 +2902,7 @@
             </a:lvl1pPr>
           </a:lstStyle>
           <a:p>
-            <a:fld id="{0235B761-C1FB-4A42-8968-94F1C6EE055C}" type="datetimeFigureOut">
+            <a:fld id="{4EAD9783-17AF-4CCA-944E-9074335C4262}" type="datetimeFigureOut">
               <a:rPr lang="zh-CN" altLang="en-US" smtClean="0"/>
               <a:t>2024/3/10</a:t>
             </a:fld>
@@ -2915,7 +2915,7 @@
           <p:cNvPr id="5" name="页脚占位符 4">
             <a:extLst>
               <a:ext uri="{FF2B5EF4-FFF2-40B4-BE49-F238E27FC236}">
-                <a16:creationId xmlns:a16="http://schemas.microsoft.com/office/drawing/2014/main" id="{95C985B3-F19D-840C-6A1C-7FC86BE2DBAF}"/>
+                <a16:creationId xmlns:a16="http://schemas.microsoft.com/office/drawing/2014/main" id="{51817CA3-95DD-FC25-804E-7D0E3724CBEB}"/>
               </a:ext>
             </a:extLst>
           </p:cNvPr>
@@ -2958,7 +2958,7 @@
           <p:cNvPr id="6" name="灯片编号占位符 5">
             <a:extLst>
               <a:ext uri="{FF2B5EF4-FFF2-40B4-BE49-F238E27FC236}">
-                <a16:creationId xmlns:a16="http://schemas.microsoft.com/office/drawing/2014/main" id="{90916530-E40E-342D-C3F4-464F6214895A}"/>
+                <a16:creationId xmlns:a16="http://schemas.microsoft.com/office/drawing/2014/main" id="{3CAC5979-B26E-5EC1-8532-20B1F57DF60A}"/>
               </a:ext>
             </a:extLst>
           </p:cNvPr>
@@ -2992,7 +2992,7 @@
             </a:lvl1pPr>
           </a:lstStyle>
           <a:p>
-            <a:fld id="{68D0C62E-F5CA-431C-8C77-0F1BB1AF2812}" type="slidenum">
+            <a:fld id="{EBDAB534-8C09-4041-AC9D-C9B9BFC23082}" type="slidenum">
               <a:rPr lang="zh-CN" altLang="en-US" smtClean="0"/>
               <a:t>‹#›</a:t>
             </a:fld>
@@ -3003,7 +3003,7 @@
     </p:spTree>
     <p:extLst>
       <p:ext uri="{BB962C8B-B14F-4D97-AF65-F5344CB8AC3E}">
-        <p14:creationId xmlns:p14="http://schemas.microsoft.com/office/powerpoint/2010/main" val="1648095432"/>
+        <p14:creationId xmlns:p14="http://schemas.microsoft.com/office/powerpoint/2010/main" val="2098892783"/>
       </p:ext>
     </p:extLst>
   </p:cSld>
